--- a/DOC/240927_파일나누기.pptx
+++ b/DOC/240927_파일나누기.pptx
@@ -17,10 +17,11 @@
     <p:sldId id="321" r:id="rId11"/>
     <p:sldId id="322" r:id="rId12"/>
     <p:sldId id="304" r:id="rId13"/>
-    <p:sldId id="323" r:id="rId14"/>
-    <p:sldId id="324" r:id="rId15"/>
-    <p:sldId id="325" r:id="rId16"/>
-    <p:sldId id="326" r:id="rId17"/>
+    <p:sldId id="327" r:id="rId14"/>
+    <p:sldId id="323" r:id="rId15"/>
+    <p:sldId id="324" r:id="rId16"/>
+    <p:sldId id="325" r:id="rId17"/>
+    <p:sldId id="326" r:id="rId18"/>
   </p:sldIdLst>
   <p:sldSz cx="12192000" cy="6858000"/>
   <p:notesSz cx="6858000" cy="9144000"/>
@@ -526,7 +527,7 @@
           <a:p>
             <a:fld id="{ADAF0334-EF1F-40BE-A71F-BA73690F7647}" type="datetimeFigureOut">
               <a:rPr lang="ko-KR" altLang="en-US" smtClean="0"/>
-              <a:t>2024-09-27</a:t>
+              <a:t>2024-09-30</a:t>
             </a:fld>
             <a:endParaRPr lang="ko-KR" altLang="en-US"/>
           </a:p>
@@ -724,7 +725,7 @@
           <a:p>
             <a:fld id="{ADAF0334-EF1F-40BE-A71F-BA73690F7647}" type="datetimeFigureOut">
               <a:rPr lang="ko-KR" altLang="en-US" smtClean="0"/>
-              <a:t>2024-09-27</a:t>
+              <a:t>2024-09-30</a:t>
             </a:fld>
             <a:endParaRPr lang="ko-KR" altLang="en-US"/>
           </a:p>
@@ -932,7 +933,7 @@
           <a:p>
             <a:fld id="{ADAF0334-EF1F-40BE-A71F-BA73690F7647}" type="datetimeFigureOut">
               <a:rPr lang="ko-KR" altLang="en-US" smtClean="0"/>
-              <a:t>2024-09-27</a:t>
+              <a:t>2024-09-30</a:t>
             </a:fld>
             <a:endParaRPr lang="ko-KR" altLang="en-US"/>
           </a:p>
@@ -1130,7 +1131,7 @@
           <a:p>
             <a:fld id="{ADAF0334-EF1F-40BE-A71F-BA73690F7647}" type="datetimeFigureOut">
               <a:rPr lang="ko-KR" altLang="en-US" smtClean="0"/>
-              <a:t>2024-09-27</a:t>
+              <a:t>2024-09-30</a:t>
             </a:fld>
             <a:endParaRPr lang="ko-KR" altLang="en-US"/>
           </a:p>
@@ -1405,7 +1406,7 @@
           <a:p>
             <a:fld id="{ADAF0334-EF1F-40BE-A71F-BA73690F7647}" type="datetimeFigureOut">
               <a:rPr lang="ko-KR" altLang="en-US" smtClean="0"/>
-              <a:t>2024-09-27</a:t>
+              <a:t>2024-09-30</a:t>
             </a:fld>
             <a:endParaRPr lang="ko-KR" altLang="en-US"/>
           </a:p>
@@ -1670,7 +1671,7 @@
           <a:p>
             <a:fld id="{ADAF0334-EF1F-40BE-A71F-BA73690F7647}" type="datetimeFigureOut">
               <a:rPr lang="ko-KR" altLang="en-US" smtClean="0"/>
-              <a:t>2024-09-27</a:t>
+              <a:t>2024-09-30</a:t>
             </a:fld>
             <a:endParaRPr lang="ko-KR" altLang="en-US"/>
           </a:p>
@@ -2082,7 +2083,7 @@
           <a:p>
             <a:fld id="{ADAF0334-EF1F-40BE-A71F-BA73690F7647}" type="datetimeFigureOut">
               <a:rPr lang="ko-KR" altLang="en-US" smtClean="0"/>
-              <a:t>2024-09-27</a:t>
+              <a:t>2024-09-30</a:t>
             </a:fld>
             <a:endParaRPr lang="ko-KR" altLang="en-US"/>
           </a:p>
@@ -2223,7 +2224,7 @@
           <a:p>
             <a:fld id="{ADAF0334-EF1F-40BE-A71F-BA73690F7647}" type="datetimeFigureOut">
               <a:rPr lang="ko-KR" altLang="en-US" smtClean="0"/>
-              <a:t>2024-09-27</a:t>
+              <a:t>2024-09-30</a:t>
             </a:fld>
             <a:endParaRPr lang="ko-KR" altLang="en-US"/>
           </a:p>
@@ -2336,7 +2337,7 @@
           <a:p>
             <a:fld id="{ADAF0334-EF1F-40BE-A71F-BA73690F7647}" type="datetimeFigureOut">
               <a:rPr lang="ko-KR" altLang="en-US" smtClean="0"/>
-              <a:t>2024-09-27</a:t>
+              <a:t>2024-09-30</a:t>
             </a:fld>
             <a:endParaRPr lang="ko-KR" altLang="en-US"/>
           </a:p>
@@ -2647,7 +2648,7 @@
           <a:p>
             <a:fld id="{ADAF0334-EF1F-40BE-A71F-BA73690F7647}" type="datetimeFigureOut">
               <a:rPr lang="ko-KR" altLang="en-US" smtClean="0"/>
-              <a:t>2024-09-27</a:t>
+              <a:t>2024-09-30</a:t>
             </a:fld>
             <a:endParaRPr lang="ko-KR" altLang="en-US"/>
           </a:p>
@@ -2935,7 +2936,7 @@
           <a:p>
             <a:fld id="{ADAF0334-EF1F-40BE-A71F-BA73690F7647}" type="datetimeFigureOut">
               <a:rPr lang="ko-KR" altLang="en-US" smtClean="0"/>
-              <a:t>2024-09-27</a:t>
+              <a:t>2024-09-30</a:t>
             </a:fld>
             <a:endParaRPr lang="ko-KR" altLang="en-US"/>
           </a:p>
@@ -3176,7 +3177,7 @@
           <a:p>
             <a:fld id="{ADAF0334-EF1F-40BE-A71F-BA73690F7647}" type="datetimeFigureOut">
               <a:rPr lang="ko-KR" altLang="en-US" smtClean="0"/>
-              <a:t>2024-09-27</a:t>
+              <a:t>2024-09-30</a:t>
             </a:fld>
             <a:endParaRPr lang="ko-KR" altLang="en-US"/>
           </a:p>
@@ -3608,7 +3609,7 @@
         <p:spPr>
           <a:xfrm>
             <a:off x="738909" y="508000"/>
-            <a:ext cx="1353256" cy="861774"/>
+            <a:ext cx="3616696" cy="861774"/>
           </a:xfrm>
           <a:prstGeom prst="rect">
             <a:avLst/>
@@ -3622,10 +3623,9 @@
           <a:lstStyle/>
           <a:p>
             <a:r>
-              <a:rPr lang="en-US" altLang="ko-KR" sz="5000" dirty="0"/>
-              <a:t>IS A</a:t>
-            </a:r>
-            <a:endParaRPr lang="ko-KR" altLang="en-US" sz="5000" dirty="0"/>
+              <a:rPr lang="ko-KR" altLang="en-US" sz="5000" dirty="0"/>
+              <a:t>파일 나누기</a:t>
+            </a:r>
           </a:p>
         </p:txBody>
       </p:sp>
@@ -4082,18 +4082,13 @@
               <a:t>그 구현과 선언을 하나로 연결</a:t>
             </a:r>
             <a:r>
-              <a:rPr lang="en-US" altLang="ko-KR" sz="3000">
+              <a:rPr lang="en-US" altLang="ko-KR" sz="3000" dirty="0">
                 <a:solidFill>
                   <a:srgbClr val="FF0000"/>
                 </a:solidFill>
               </a:rPr>
               <a:t>.</a:t>
             </a:r>
-            <a:endParaRPr lang="en-US" altLang="ko-KR" sz="3000" dirty="0">
-              <a:solidFill>
-                <a:srgbClr val="FF0000"/>
-              </a:solidFill>
-            </a:endParaRPr>
           </a:p>
         </p:txBody>
       </p:sp>
@@ -4234,10 +4229,45 @@
           <a:chExt cx="0" cy="0"/>
         </a:xfrm>
       </p:grpSpPr>
+      <p:sp>
+        <p:nvSpPr>
+          <p:cNvPr id="2" name="TextBox 1">
+            <a:extLst>
+              <a:ext uri="{FF2B5EF4-FFF2-40B4-BE49-F238E27FC236}">
+                <a16:creationId xmlns:a16="http://schemas.microsoft.com/office/drawing/2014/main" id="{831ADEF2-87BD-1193-4787-F586A3FD813E}"/>
+              </a:ext>
+            </a:extLst>
+          </p:cNvPr>
+          <p:cNvSpPr txBox="1"/>
+          <p:nvPr/>
+        </p:nvSpPr>
+        <p:spPr>
+          <a:xfrm>
+            <a:off x="738909" y="508000"/>
+            <a:ext cx="5766322" cy="861774"/>
+          </a:xfrm>
+          <a:prstGeom prst="rect">
+            <a:avLst/>
+          </a:prstGeom>
+          <a:noFill/>
+        </p:spPr>
+        <p:txBody>
+          <a:bodyPr wrap="none" rtlCol="0">
+            <a:spAutoFit/>
+          </a:bodyPr>
+          <a:lstStyle/>
+          <a:p>
+            <a:r>
+              <a:rPr lang="ko-KR" altLang="en-US" sz="5000" dirty="0"/>
+              <a:t>선언과 구현의 분리</a:t>
+            </a:r>
+          </a:p>
+        </p:txBody>
+      </p:sp>
     </p:spTree>
     <p:extLst>
       <p:ext uri="{BB962C8B-B14F-4D97-AF65-F5344CB8AC3E}">
-        <p14:creationId xmlns:p14="http://schemas.microsoft.com/office/powerpoint/2010/main" val="190083457"/>
+        <p14:creationId xmlns:p14="http://schemas.microsoft.com/office/powerpoint/2010/main" val="4069057146"/>
       </p:ext>
     </p:extLst>
   </p:cSld>
@@ -4264,6 +4294,529 @@
           <a:chExt cx="0" cy="0"/>
         </a:xfrm>
       </p:grpSpPr>
+      <p:sp>
+        <p:nvSpPr>
+          <p:cNvPr id="2" name="TextBox 1">
+            <a:extLst>
+              <a:ext uri="{FF2B5EF4-FFF2-40B4-BE49-F238E27FC236}">
+                <a16:creationId xmlns:a16="http://schemas.microsoft.com/office/drawing/2014/main" id="{9CD22150-651E-C942-8878-4153DBACC9E4}"/>
+              </a:ext>
+            </a:extLst>
+          </p:cNvPr>
+          <p:cNvSpPr txBox="1"/>
+          <p:nvPr/>
+        </p:nvSpPr>
+        <p:spPr>
+          <a:xfrm>
+            <a:off x="365294" y="431799"/>
+            <a:ext cx="11826706" cy="3785652"/>
+          </a:xfrm>
+          <a:prstGeom prst="rect">
+            <a:avLst/>
+          </a:prstGeom>
+          <a:noFill/>
+        </p:spPr>
+        <p:txBody>
+          <a:bodyPr wrap="square" rtlCol="0">
+            <a:spAutoFit/>
+          </a:bodyPr>
+          <a:lstStyle/>
+          <a:p>
+            <a:r>
+              <a:rPr lang="ko-KR" altLang="en-US" sz="3000" dirty="0">
+                <a:solidFill>
+                  <a:srgbClr val="FF0000"/>
+                </a:solidFill>
+              </a:rPr>
+              <a:t>파일 단위로 중복되느냐 되지 않느냐</a:t>
+            </a:r>
+            <a:r>
+              <a:rPr lang="en-US" altLang="ko-KR" sz="3000" dirty="0">
+                <a:solidFill>
+                  <a:srgbClr val="FF0000"/>
+                </a:solidFill>
+              </a:rPr>
+              <a:t>?</a:t>
+            </a:r>
+          </a:p>
+          <a:p>
+            <a:endParaRPr lang="en-US" altLang="ko-KR" sz="3000" dirty="0">
+              <a:solidFill>
+                <a:srgbClr val="FF0000"/>
+              </a:solidFill>
+            </a:endParaRPr>
+          </a:p>
+          <a:p>
+            <a:r>
+              <a:rPr lang="ko-KR" altLang="en-US" sz="3000" dirty="0">
+                <a:solidFill>
+                  <a:srgbClr val="FF0000"/>
+                </a:solidFill>
+              </a:rPr>
+              <a:t>파일 단위가 중요한 이유는 </a:t>
+            </a:r>
+            <a:endParaRPr lang="en-US" altLang="ko-KR" sz="3000" dirty="0">
+              <a:solidFill>
+                <a:srgbClr val="FF0000"/>
+              </a:solidFill>
+            </a:endParaRPr>
+          </a:p>
+          <a:p>
+            <a:r>
+              <a:rPr lang="ko-KR" altLang="en-US" sz="3000" dirty="0">
+                <a:solidFill>
+                  <a:srgbClr val="FF0000"/>
+                </a:solidFill>
+              </a:rPr>
+              <a:t>컴파일러 </a:t>
+            </a:r>
+            <a:r>
+              <a:rPr lang="en-US" altLang="ko-KR" sz="3000" dirty="0">
+                <a:solidFill>
+                  <a:srgbClr val="FF0000"/>
+                </a:solidFill>
+              </a:rPr>
+              <a:t>=&gt; </a:t>
+            </a:r>
+            <a:r>
+              <a:rPr lang="ko-KR" altLang="en-US" sz="3000" dirty="0">
+                <a:solidFill>
+                  <a:srgbClr val="FF0000"/>
+                </a:solidFill>
+              </a:rPr>
+              <a:t>어셈블러로 </a:t>
+            </a:r>
+            <a:r>
+              <a:rPr lang="ko-KR" altLang="en-US" sz="3000" dirty="0" err="1">
+                <a:solidFill>
+                  <a:srgbClr val="FF0000"/>
+                </a:solidFill>
+              </a:rPr>
+              <a:t>넘어갈때</a:t>
+            </a:r>
+            <a:r>
+              <a:rPr lang="ko-KR" altLang="en-US" sz="3000" dirty="0">
+                <a:solidFill>
+                  <a:srgbClr val="FF0000"/>
+                </a:solidFill>
+              </a:rPr>
+              <a:t> </a:t>
+            </a:r>
+            <a:r>
+              <a:rPr lang="en-US" altLang="ko-KR" sz="3000" dirty="0">
+                <a:solidFill>
+                  <a:srgbClr val="FF0000"/>
+                </a:solidFill>
+              </a:rPr>
+              <a:t>.Obj</a:t>
+            </a:r>
+            <a:r>
+              <a:rPr lang="ko-KR" altLang="en-US" sz="3000" dirty="0">
+                <a:solidFill>
+                  <a:srgbClr val="FF0000"/>
+                </a:solidFill>
+              </a:rPr>
+              <a:t>을 만듭니다</a:t>
+            </a:r>
+            <a:r>
+              <a:rPr lang="en-US" altLang="ko-KR" sz="3000" dirty="0">
+                <a:solidFill>
+                  <a:srgbClr val="FF0000"/>
+                </a:solidFill>
+              </a:rPr>
+              <a:t>.</a:t>
+            </a:r>
+          </a:p>
+          <a:p>
+            <a:r>
+              <a:rPr lang="ko-KR" altLang="en-US" sz="3000" dirty="0">
+                <a:solidFill>
+                  <a:srgbClr val="FF0000"/>
+                </a:solidFill>
+              </a:rPr>
+              <a:t>이 </a:t>
+            </a:r>
+            <a:r>
+              <a:rPr lang="en-US" altLang="ko-KR" sz="3000" dirty="0">
+                <a:solidFill>
+                  <a:srgbClr val="FF0000"/>
+                </a:solidFill>
+              </a:rPr>
+              <a:t>Obj </a:t>
+            </a:r>
+            <a:r>
+              <a:rPr lang="ko-KR" altLang="en-US" sz="3000" dirty="0">
+                <a:solidFill>
+                  <a:srgbClr val="FF0000"/>
+                </a:solidFill>
+              </a:rPr>
+              <a:t>파일은 각자 컴파일 됩니다</a:t>
+            </a:r>
+            <a:r>
+              <a:rPr lang="en-US" altLang="ko-KR" sz="3000" dirty="0">
+                <a:solidFill>
+                  <a:srgbClr val="FF0000"/>
+                </a:solidFill>
+              </a:rPr>
+              <a:t>.</a:t>
+            </a:r>
+          </a:p>
+          <a:p>
+            <a:r>
+              <a:rPr lang="ko-KR" altLang="en-US" sz="3000" dirty="0">
+                <a:solidFill>
+                  <a:srgbClr val="FF0000"/>
+                </a:solidFill>
+              </a:rPr>
+              <a:t>파일단위로 컴파일이 </a:t>
+            </a:r>
+            <a:r>
+              <a:rPr lang="ko-KR" altLang="en-US" sz="3000" dirty="0" err="1">
+                <a:solidFill>
+                  <a:srgbClr val="FF0000"/>
+                </a:solidFill>
+              </a:rPr>
+              <a:t>잘되어있는지</a:t>
+            </a:r>
+            <a:r>
+              <a:rPr lang="ko-KR" altLang="en-US" sz="3000" dirty="0">
+                <a:solidFill>
+                  <a:srgbClr val="FF0000"/>
+                </a:solidFill>
+              </a:rPr>
+              <a:t> 확인합니다</a:t>
+            </a:r>
+            <a:r>
+              <a:rPr lang="en-US" altLang="ko-KR" sz="3000" dirty="0">
+                <a:solidFill>
+                  <a:srgbClr val="FF0000"/>
+                </a:solidFill>
+              </a:rPr>
+              <a:t>.</a:t>
+            </a:r>
+          </a:p>
+          <a:p>
+            <a:r>
+              <a:rPr lang="ko-KR" altLang="en-US" sz="3000" dirty="0">
+                <a:solidFill>
+                  <a:srgbClr val="FF0000"/>
+                </a:solidFill>
+              </a:rPr>
+              <a:t>이 어셈블리어로 번역되기 중간단계라고 해서 </a:t>
+            </a:r>
+            <a:r>
+              <a:rPr lang="en-US" altLang="ko-KR" sz="3000" dirty="0">
+                <a:solidFill>
+                  <a:srgbClr val="FF0000"/>
+                </a:solidFill>
+              </a:rPr>
+              <a:t>Obj </a:t>
+            </a:r>
+            <a:r>
+              <a:rPr lang="ko-KR" altLang="en-US" sz="3000" dirty="0">
+                <a:solidFill>
+                  <a:srgbClr val="FF0000"/>
+                </a:solidFill>
+              </a:rPr>
+              <a:t>파일이라고 합니다 네임 </a:t>
+            </a:r>
+            <a:r>
+              <a:rPr lang="ko-KR" altLang="en-US" sz="3000" dirty="0" err="1">
+                <a:solidFill>
+                  <a:srgbClr val="FF0000"/>
+                </a:solidFill>
+              </a:rPr>
+              <a:t>맹글링과</a:t>
+            </a:r>
+            <a:r>
+              <a:rPr lang="ko-KR" altLang="en-US" sz="3000" dirty="0">
+                <a:solidFill>
+                  <a:srgbClr val="FF0000"/>
+                </a:solidFill>
+              </a:rPr>
+              <a:t> 코드 정리가 되어있는 중간 코드가 들어있는다</a:t>
+            </a:r>
+            <a:r>
+              <a:rPr lang="en-US" altLang="ko-KR" sz="3000" dirty="0">
+                <a:solidFill>
+                  <a:srgbClr val="FF0000"/>
+                </a:solidFill>
+              </a:rPr>
+              <a:t>.</a:t>
+            </a:r>
+          </a:p>
+        </p:txBody>
+      </p:sp>
+      <p:pic>
+        <p:nvPicPr>
+          <p:cNvPr id="4" name="그림 3">
+            <a:extLst>
+              <a:ext uri="{FF2B5EF4-FFF2-40B4-BE49-F238E27FC236}">
+                <a16:creationId xmlns:a16="http://schemas.microsoft.com/office/drawing/2014/main" id="{5A90C361-DE0C-1F21-CA88-1EC2E14F22AA}"/>
+              </a:ext>
+            </a:extLst>
+          </p:cNvPr>
+          <p:cNvPicPr>
+            <a:picLocks noChangeAspect="1"/>
+          </p:cNvPicPr>
+          <p:nvPr/>
+        </p:nvPicPr>
+        <p:blipFill>
+          <a:blip r:embed="rId2"/>
+          <a:stretch>
+            <a:fillRect/>
+          </a:stretch>
+        </p:blipFill>
+        <p:spPr>
+          <a:xfrm>
+            <a:off x="448421" y="4217451"/>
+            <a:ext cx="6801799" cy="2419688"/>
+          </a:xfrm>
+          <a:prstGeom prst="rect">
+            <a:avLst/>
+          </a:prstGeom>
+        </p:spPr>
+      </p:pic>
+    </p:spTree>
+    <p:extLst>
+      <p:ext uri="{BB962C8B-B14F-4D97-AF65-F5344CB8AC3E}">
+        <p14:creationId xmlns:p14="http://schemas.microsoft.com/office/powerpoint/2010/main" val="190083457"/>
+      </p:ext>
+    </p:extLst>
+  </p:cSld>
+  <p:clrMapOvr>
+    <a:masterClrMapping/>
+  </p:clrMapOvr>
+</p:sld>
+</file>
+
+<file path=ppt/slides/slide15.xml><?xml version="1.0" encoding="utf-8"?>
+<p:sld xmlns:a="http://schemas.openxmlformats.org/drawingml/2006/main" xmlns:r="http://schemas.openxmlformats.org/officeDocument/2006/relationships" xmlns:p="http://schemas.openxmlformats.org/presentationml/2006/main">
+  <p:cSld>
+    <p:spTree>
+      <p:nvGrpSpPr>
+        <p:cNvPr id="1" name=""/>
+        <p:cNvGrpSpPr/>
+        <p:nvPr/>
+      </p:nvGrpSpPr>
+      <p:grpSpPr>
+        <a:xfrm>
+          <a:off x="0" y="0"/>
+          <a:ext cx="0" cy="0"/>
+          <a:chOff x="0" y="0"/>
+          <a:chExt cx="0" cy="0"/>
+        </a:xfrm>
+      </p:grpSpPr>
+      <p:graphicFrame>
+        <p:nvGraphicFramePr>
+          <p:cNvPr id="2" name="표 1">
+            <a:extLst>
+              <a:ext uri="{FF2B5EF4-FFF2-40B4-BE49-F238E27FC236}">
+                <a16:creationId xmlns:a16="http://schemas.microsoft.com/office/drawing/2014/main" id="{7B7476BF-0693-FCA1-216F-606AEDCCED08}"/>
+              </a:ext>
+            </a:extLst>
+          </p:cNvPr>
+          <p:cNvGraphicFramePr>
+            <a:graphicFrameLocks noGrp="1"/>
+          </p:cNvGraphicFramePr>
+          <p:nvPr>
+            <p:extLst>
+              <p:ext uri="{D42A27DB-BD31-4B8C-83A1-F6EECF244321}">
+                <p14:modId xmlns:p14="http://schemas.microsoft.com/office/powerpoint/2010/main" val="3380314563"/>
+              </p:ext>
+            </p:extLst>
+          </p:nvPr>
+        </p:nvGraphicFramePr>
+        <p:xfrm>
+          <a:off x="1935018" y="2465339"/>
+          <a:ext cx="8321964" cy="2802210"/>
+        </p:xfrm>
+        <a:graphic>
+          <a:graphicData uri="http://schemas.openxmlformats.org/drawingml/2006/table">
+            <a:tbl>
+              <a:tblPr firstRow="1" bandRow="1">
+                <a:tableStyleId>{5C22544A-7EE6-4342-B048-85BDC9FD1C3A}</a:tableStyleId>
+              </a:tblPr>
+              <a:tblGrid>
+                <a:gridCol w="2080491">
+                  <a:extLst>
+                    <a:ext uri="{9D8B030D-6E8A-4147-A177-3AD203B41FA5}">
+                      <a16:colId xmlns:a16="http://schemas.microsoft.com/office/drawing/2014/main" val="2890402944"/>
+                    </a:ext>
+                  </a:extLst>
+                </a:gridCol>
+                <a:gridCol w="2080491">
+                  <a:extLst>
+                    <a:ext uri="{9D8B030D-6E8A-4147-A177-3AD203B41FA5}">
+                      <a16:colId xmlns:a16="http://schemas.microsoft.com/office/drawing/2014/main" val="1848115930"/>
+                    </a:ext>
+                  </a:extLst>
+                </a:gridCol>
+                <a:gridCol w="2080491">
+                  <a:extLst>
+                    <a:ext uri="{9D8B030D-6E8A-4147-A177-3AD203B41FA5}">
+                      <a16:colId xmlns:a16="http://schemas.microsoft.com/office/drawing/2014/main" val="3547702192"/>
+                    </a:ext>
+                  </a:extLst>
+                </a:gridCol>
+                <a:gridCol w="2080491">
+                  <a:extLst>
+                    <a:ext uri="{9D8B030D-6E8A-4147-A177-3AD203B41FA5}">
+                      <a16:colId xmlns:a16="http://schemas.microsoft.com/office/drawing/2014/main" val="2082891548"/>
+                    </a:ext>
+                  </a:extLst>
+                </a:gridCol>
+              </a:tblGrid>
+              <a:tr h="1401105">
+                <a:tc>
+                  <a:txBody>
+                    <a:bodyPr/>
+                    <a:lstStyle/>
+                    <a:p>
+                      <a:pPr latinLnBrk="1"/>
+                      <a:r>
+                        <a:rPr lang="ko-KR" altLang="en-US" dirty="0"/>
+                        <a:t>선언</a:t>
+                      </a:r>
+                    </a:p>
+                  </a:txBody>
+                  <a:tcPr/>
+                </a:tc>
+                <a:tc>
+                  <a:txBody>
+                    <a:bodyPr/>
+                    <a:lstStyle/>
+                    <a:p>
+                      <a:pPr latinLnBrk="1"/>
+                      <a:r>
+                        <a:rPr lang="ko-KR" altLang="en-US" dirty="0"/>
+                        <a:t>클래스</a:t>
+                      </a:r>
+                    </a:p>
+                  </a:txBody>
+                  <a:tcPr/>
+                </a:tc>
+                <a:tc>
+                  <a:txBody>
+                    <a:bodyPr/>
+                    <a:lstStyle/>
+                    <a:p>
+                      <a:pPr latinLnBrk="1"/>
+                      <a:r>
+                        <a:rPr lang="ko-KR" altLang="en-US" dirty="0"/>
+                        <a:t>전역함수</a:t>
+                      </a:r>
+                    </a:p>
+                  </a:txBody>
+                  <a:tcPr/>
+                </a:tc>
+                <a:tc>
+                  <a:txBody>
+                    <a:bodyPr/>
+                    <a:lstStyle/>
+                    <a:p>
+                      <a:pPr latinLnBrk="1"/>
+                      <a:r>
+                        <a:rPr lang="ko-KR" altLang="en-US" dirty="0"/>
+                        <a:t>객체</a:t>
+                      </a:r>
+                    </a:p>
+                  </a:txBody>
+                  <a:tcPr/>
+                </a:tc>
+                <a:extLst>
+                  <a:ext uri="{0D108BD9-81ED-4DB2-BD59-A6C34878D82A}">
+                    <a16:rowId xmlns:a16="http://schemas.microsoft.com/office/drawing/2014/main" val="3636208415"/>
+                  </a:ext>
+                </a:extLst>
+              </a:tr>
+              <a:tr h="1401105">
+                <a:tc>
+                  <a:txBody>
+                    <a:bodyPr/>
+                    <a:lstStyle/>
+                    <a:p>
+                      <a:pPr latinLnBrk="1"/>
+                      <a:r>
+                        <a:rPr lang="en-US" altLang="ko-KR" dirty="0" err="1"/>
+                        <a:t>Cpp</a:t>
+                      </a:r>
+                      <a:r>
+                        <a:rPr lang="en-US" altLang="ko-KR"/>
+                        <a:t> </a:t>
+                      </a:r>
+                      <a:r>
+                        <a:rPr lang="ko-KR" altLang="en-US"/>
+                        <a:t>한파일내 </a:t>
+                      </a:r>
+                      <a:r>
+                        <a:rPr lang="ko-KR" altLang="en-US" dirty="0"/>
+                        <a:t>중복 </a:t>
+                      </a:r>
+                      <a:endParaRPr lang="en-US" altLang="ko-KR" dirty="0"/>
+                    </a:p>
+                    <a:p>
+                      <a:pPr latinLnBrk="1"/>
+                      <a:r>
+                        <a:rPr lang="ko-KR" altLang="en-US" dirty="0"/>
+                        <a:t>여부</a:t>
+                      </a:r>
+                    </a:p>
+                  </a:txBody>
+                  <a:tcPr/>
+                </a:tc>
+                <a:tc>
+                  <a:txBody>
+                    <a:bodyPr/>
+                    <a:lstStyle/>
+                    <a:p>
+                      <a:pPr latinLnBrk="1"/>
+                      <a:r>
+                        <a:rPr lang="ko-KR" altLang="en-US" dirty="0"/>
+                        <a:t>에러</a:t>
+                      </a:r>
+                    </a:p>
+                  </a:txBody>
+                  <a:tcPr/>
+                </a:tc>
+                <a:tc>
+                  <a:txBody>
+                    <a:bodyPr/>
+                    <a:lstStyle/>
+                    <a:p>
+                      <a:pPr latinLnBrk="1"/>
+                      <a:r>
+                        <a:rPr lang="ko-KR" altLang="en-US" dirty="0"/>
+                        <a:t>가능</a:t>
+                      </a:r>
+                    </a:p>
+                  </a:txBody>
+                  <a:tcPr/>
+                </a:tc>
+                <a:tc>
+                  <a:txBody>
+                    <a:bodyPr/>
+                    <a:lstStyle/>
+                    <a:p>
+                      <a:pPr latinLnBrk="1"/>
+                      <a:r>
+                        <a:rPr lang="ko-KR" altLang="en-US" dirty="0"/>
+                        <a:t>에러</a:t>
+                      </a:r>
+                    </a:p>
+                  </a:txBody>
+                  <a:tcPr/>
+                </a:tc>
+                <a:extLst>
+                  <a:ext uri="{0D108BD9-81ED-4DB2-BD59-A6C34878D82A}">
+                    <a16:rowId xmlns:a16="http://schemas.microsoft.com/office/drawing/2014/main" val="3656915383"/>
+                  </a:ext>
+                </a:extLst>
+              </a:tr>
+            </a:tbl>
+          </a:graphicData>
+        </a:graphic>
+      </p:graphicFrame>
     </p:spTree>
     <p:extLst>
       <p:ext uri="{BB962C8B-B14F-4D97-AF65-F5344CB8AC3E}">
@@ -4277,7 +4830,7 @@
 </p:sld>
 </file>
 
-<file path=ppt/slides/slide15.xml><?xml version="1.0" encoding="utf-8"?>
+<file path=ppt/slides/slide16.xml><?xml version="1.0" encoding="utf-8"?>
 <p:sld xmlns:a="http://schemas.openxmlformats.org/drawingml/2006/main" xmlns:r="http://schemas.openxmlformats.org/officeDocument/2006/relationships" xmlns:p="http://schemas.openxmlformats.org/presentationml/2006/main">
   <p:cSld>
     <p:spTree>
@@ -4307,7 +4860,7 @@
 </p:sld>
 </file>
 
-<file path=ppt/slides/slide16.xml><?xml version="1.0" encoding="utf-8"?>
+<file path=ppt/slides/slide17.xml><?xml version="1.0" encoding="utf-8"?>
 <p:sld xmlns:a="http://schemas.openxmlformats.org/drawingml/2006/main" xmlns:r="http://schemas.openxmlformats.org/officeDocument/2006/relationships" xmlns:p="http://schemas.openxmlformats.org/presentationml/2006/main">
   <p:cSld>
     <p:spTree>
@@ -4523,8 +5076,8 @@
           </a:prstGeom>
         </p:spPr>
       </p:pic>
-      <mc:AlternateContent xmlns:mc="http://schemas.openxmlformats.org/markup-compatibility/2006">
-        <mc:Choice xmlns:p14="http://schemas.microsoft.com/office/powerpoint/2010/main" Requires="p14">
+      <mc:AlternateContent xmlns:mc="http://schemas.openxmlformats.org/markup-compatibility/2006" xmlns:p14="http://schemas.microsoft.com/office/powerpoint/2010/main">
+        <mc:Choice Requires="p14">
           <p:contentPart p14:bwMode="auto" r:id="rId3">
             <p14:nvContentPartPr>
               <p14:cNvPr id="4" name="잉크 3">
@@ -4543,7 +5096,7 @@
             </p14:xfrm>
           </p:contentPart>
         </mc:Choice>
-        <mc:Fallback>
+        <mc:Fallback xmlns="">
           <p:pic>
             <p:nvPicPr>
               <p:cNvPr id="4" name="잉크 3">
@@ -4594,8 +5147,8 @@
             <a:chExt cx="2016000" cy="1248120"/>
           </a:xfrm>
         </p:grpSpPr>
-        <mc:AlternateContent xmlns:mc="http://schemas.openxmlformats.org/markup-compatibility/2006">
-          <mc:Choice xmlns:p14="http://schemas.microsoft.com/office/powerpoint/2010/main" Requires="p14">
+        <mc:AlternateContent xmlns:mc="http://schemas.openxmlformats.org/markup-compatibility/2006" xmlns:p14="http://schemas.microsoft.com/office/powerpoint/2010/main">
+          <mc:Choice Requires="p14">
             <p:contentPart p14:bwMode="auto" r:id="rId5">
               <p14:nvContentPartPr>
                 <p14:cNvPr id="7" name="잉크 6">
@@ -4614,7 +5167,7 @@
               </p14:xfrm>
             </p:contentPart>
           </mc:Choice>
-          <mc:Fallback>
+          <mc:Fallback xmlns="">
             <p:pic>
               <p:nvPicPr>
                 <p:cNvPr id="7" name="잉크 6">
@@ -4645,8 +5198,8 @@
             </p:pic>
           </mc:Fallback>
         </mc:AlternateContent>
-        <mc:AlternateContent xmlns:mc="http://schemas.openxmlformats.org/markup-compatibility/2006">
-          <mc:Choice xmlns:p14="http://schemas.microsoft.com/office/powerpoint/2010/main" Requires="p14">
+        <mc:AlternateContent xmlns:mc="http://schemas.openxmlformats.org/markup-compatibility/2006" xmlns:p14="http://schemas.microsoft.com/office/powerpoint/2010/main">
+          <mc:Choice Requires="p14">
             <p:contentPart p14:bwMode="auto" r:id="rId7">
               <p14:nvContentPartPr>
                 <p14:cNvPr id="8" name="잉크 7">
@@ -4665,7 +5218,7 @@
               </p14:xfrm>
             </p:contentPart>
           </mc:Choice>
-          <mc:Fallback>
+          <mc:Fallback xmlns="">
             <p:pic>
               <p:nvPicPr>
                 <p:cNvPr id="8" name="잉크 7">
@@ -4844,8 +5397,8 @@
             <a:chExt cx="2144160" cy="1249920"/>
           </a:xfrm>
         </p:grpSpPr>
-        <mc:AlternateContent xmlns:mc="http://schemas.openxmlformats.org/markup-compatibility/2006">
-          <mc:Choice xmlns:p14="http://schemas.microsoft.com/office/powerpoint/2010/main" Requires="p14">
+        <mc:AlternateContent xmlns:mc="http://schemas.openxmlformats.org/markup-compatibility/2006" xmlns:p14="http://schemas.microsoft.com/office/powerpoint/2010/main">
+          <mc:Choice Requires="p14">
             <p:contentPart p14:bwMode="auto" r:id="rId3">
               <p14:nvContentPartPr>
                 <p14:cNvPr id="4" name="잉크 3">
@@ -4864,7 +5417,7 @@
               </p14:xfrm>
             </p:contentPart>
           </mc:Choice>
-          <mc:Fallback>
+          <mc:Fallback xmlns="">
             <p:pic>
               <p:nvPicPr>
                 <p:cNvPr id="4" name="잉크 3">
@@ -4895,8 +5448,8 @@
             </p:pic>
           </mc:Fallback>
         </mc:AlternateContent>
-        <mc:AlternateContent xmlns:mc="http://schemas.openxmlformats.org/markup-compatibility/2006">
-          <mc:Choice xmlns:p14="http://schemas.microsoft.com/office/powerpoint/2010/main" Requires="p14">
+        <mc:AlternateContent xmlns:mc="http://schemas.openxmlformats.org/markup-compatibility/2006" xmlns:p14="http://schemas.microsoft.com/office/powerpoint/2010/main">
+          <mc:Choice Requires="p14">
             <p:contentPart p14:bwMode="auto" r:id="rId5">
               <p14:nvContentPartPr>
                 <p14:cNvPr id="5" name="잉크 4">
@@ -4915,7 +5468,7 @@
               </p14:xfrm>
             </p:contentPart>
           </mc:Choice>
-          <mc:Fallback>
+          <mc:Fallback xmlns="">
             <p:pic>
               <p:nvPicPr>
                 <p:cNvPr id="5" name="잉크 4">
@@ -4946,8 +5499,8 @@
             </p:pic>
           </mc:Fallback>
         </mc:AlternateContent>
-        <mc:AlternateContent xmlns:mc="http://schemas.openxmlformats.org/markup-compatibility/2006">
-          <mc:Choice xmlns:p14="http://schemas.microsoft.com/office/powerpoint/2010/main" Requires="p14">
+        <mc:AlternateContent xmlns:mc="http://schemas.openxmlformats.org/markup-compatibility/2006" xmlns:p14="http://schemas.microsoft.com/office/powerpoint/2010/main">
+          <mc:Choice Requires="p14">
             <p:contentPart p14:bwMode="auto" r:id="rId7">
               <p14:nvContentPartPr>
                 <p14:cNvPr id="6" name="잉크 5">
@@ -4966,7 +5519,7 @@
               </p14:xfrm>
             </p:contentPart>
           </mc:Choice>
-          <mc:Fallback>
+          <mc:Fallback xmlns="">
             <p:pic>
               <p:nvPicPr>
                 <p:cNvPr id="6" name="잉크 5">
@@ -5322,8 +5875,8 @@
           </a:prstGeom>
         </p:spPr>
       </p:pic>
-      <mc:AlternateContent xmlns:mc="http://schemas.openxmlformats.org/markup-compatibility/2006">
-        <mc:Choice xmlns:p14="http://schemas.microsoft.com/office/powerpoint/2010/main" Requires="p14">
+      <mc:AlternateContent xmlns:mc="http://schemas.openxmlformats.org/markup-compatibility/2006" xmlns:p14="http://schemas.microsoft.com/office/powerpoint/2010/main">
+        <mc:Choice Requires="p14">
           <p:contentPart p14:bwMode="auto" r:id="rId3">
             <p14:nvContentPartPr>
               <p14:cNvPr id="4" name="잉크 3">
@@ -5342,7 +5895,7 @@
             </p14:xfrm>
           </p:contentPart>
         </mc:Choice>
-        <mc:Fallback>
+        <mc:Fallback xmlns="">
           <p:pic>
             <p:nvPicPr>
               <p:cNvPr id="4" name="잉크 3">
@@ -5506,8 +6059,8 @@
           </a:prstGeom>
         </p:spPr>
       </p:pic>
-      <mc:AlternateContent xmlns:mc="http://schemas.openxmlformats.org/markup-compatibility/2006">
-        <mc:Choice xmlns:p14="http://schemas.microsoft.com/office/powerpoint/2010/main" Requires="p14">
+      <mc:AlternateContent xmlns:mc="http://schemas.openxmlformats.org/markup-compatibility/2006" xmlns:p14="http://schemas.microsoft.com/office/powerpoint/2010/main">
+        <mc:Choice Requires="p14">
           <p:contentPart p14:bwMode="auto" r:id="rId4">
             <p14:nvContentPartPr>
               <p14:cNvPr id="8" name="잉크 7">
@@ -5526,7 +6079,7 @@
             </p14:xfrm>
           </p:contentPart>
         </mc:Choice>
-        <mc:Fallback>
+        <mc:Fallback xmlns="">
           <p:pic>
             <p:nvPicPr>
               <p:cNvPr id="8" name="잉크 7">
@@ -5557,8 +6110,8 @@
           </p:pic>
         </mc:Fallback>
       </mc:AlternateContent>
-      <mc:AlternateContent xmlns:mc="http://schemas.openxmlformats.org/markup-compatibility/2006">
-        <mc:Choice xmlns:p14="http://schemas.microsoft.com/office/powerpoint/2010/main" Requires="p14">
+      <mc:AlternateContent xmlns:mc="http://schemas.openxmlformats.org/markup-compatibility/2006" xmlns:p14="http://schemas.microsoft.com/office/powerpoint/2010/main">
+        <mc:Choice Requires="p14">
           <p:contentPart p14:bwMode="auto" r:id="rId6">
             <p14:nvContentPartPr>
               <p14:cNvPr id="9" name="잉크 8">
@@ -5577,7 +6130,7 @@
             </p14:xfrm>
           </p:contentPart>
         </mc:Choice>
-        <mc:Fallback>
+        <mc:Fallback xmlns="">
           <p:pic>
             <p:nvPicPr>
               <p:cNvPr id="9" name="잉크 8">
